--- a/英文報告/3MT1pagePPT_revision.pptx
+++ b/英文報告/3MT1pagePPT_revision.pptx
@@ -104,6 +104,11 @@
       </a:defRPr>
     </a:lvl9pPr>
   </p:defaultTextStyle>
+  <p:extLst>
+    <p:ext uri="{EFAFB233-063F-42B5-8137-9DF3F51BA10A}">
+      <p15:sldGuideLst xmlns:p15="http://schemas.microsoft.com/office/powerpoint/2012/main"/>
+    </p:ext>
+  </p:extLst>
 </p:presentation>
 </file>
 
@@ -254,7 +259,7 @@
           <a:p>
             <a:fld id="{0A87C1C2-6FA9-4148-BA22-1438AF1C10B0}" type="datetimeFigureOut">
               <a:rPr lang="zh-TW" altLang="en-US" smtClean="0"/>
-              <a:t>2024/10/28</a:t>
+              <a:t>2024/11/2</a:t>
             </a:fld>
             <a:endParaRPr lang="zh-TW" altLang="en-US"/>
           </a:p>
@@ -452,7 +457,7 @@
           <a:p>
             <a:fld id="{0A87C1C2-6FA9-4148-BA22-1438AF1C10B0}" type="datetimeFigureOut">
               <a:rPr lang="zh-TW" altLang="en-US" smtClean="0"/>
-              <a:t>2024/10/28</a:t>
+              <a:t>2024/11/2</a:t>
             </a:fld>
             <a:endParaRPr lang="zh-TW" altLang="en-US"/>
           </a:p>
@@ -660,7 +665,7 @@
           <a:p>
             <a:fld id="{0A87C1C2-6FA9-4148-BA22-1438AF1C10B0}" type="datetimeFigureOut">
               <a:rPr lang="zh-TW" altLang="en-US" smtClean="0"/>
-              <a:t>2024/10/28</a:t>
+              <a:t>2024/11/2</a:t>
             </a:fld>
             <a:endParaRPr lang="zh-TW" altLang="en-US"/>
           </a:p>
@@ -858,7 +863,7 @@
           <a:p>
             <a:fld id="{0A87C1C2-6FA9-4148-BA22-1438AF1C10B0}" type="datetimeFigureOut">
               <a:rPr lang="zh-TW" altLang="en-US" smtClean="0"/>
-              <a:t>2024/10/28</a:t>
+              <a:t>2024/11/2</a:t>
             </a:fld>
             <a:endParaRPr lang="zh-TW" altLang="en-US"/>
           </a:p>
@@ -1133,7 +1138,7 @@
           <a:p>
             <a:fld id="{0A87C1C2-6FA9-4148-BA22-1438AF1C10B0}" type="datetimeFigureOut">
               <a:rPr lang="zh-TW" altLang="en-US" smtClean="0"/>
-              <a:t>2024/10/28</a:t>
+              <a:t>2024/11/2</a:t>
             </a:fld>
             <a:endParaRPr lang="zh-TW" altLang="en-US"/>
           </a:p>
@@ -1398,7 +1403,7 @@
           <a:p>
             <a:fld id="{0A87C1C2-6FA9-4148-BA22-1438AF1C10B0}" type="datetimeFigureOut">
               <a:rPr lang="zh-TW" altLang="en-US" smtClean="0"/>
-              <a:t>2024/10/28</a:t>
+              <a:t>2024/11/2</a:t>
             </a:fld>
             <a:endParaRPr lang="zh-TW" altLang="en-US"/>
           </a:p>
@@ -1810,7 +1815,7 @@
           <a:p>
             <a:fld id="{0A87C1C2-6FA9-4148-BA22-1438AF1C10B0}" type="datetimeFigureOut">
               <a:rPr lang="zh-TW" altLang="en-US" smtClean="0"/>
-              <a:t>2024/10/28</a:t>
+              <a:t>2024/11/2</a:t>
             </a:fld>
             <a:endParaRPr lang="zh-TW" altLang="en-US"/>
           </a:p>
@@ -1951,7 +1956,7 @@
           <a:p>
             <a:fld id="{0A87C1C2-6FA9-4148-BA22-1438AF1C10B0}" type="datetimeFigureOut">
               <a:rPr lang="zh-TW" altLang="en-US" smtClean="0"/>
-              <a:t>2024/10/28</a:t>
+              <a:t>2024/11/2</a:t>
             </a:fld>
             <a:endParaRPr lang="zh-TW" altLang="en-US"/>
           </a:p>
@@ -2064,7 +2069,7 @@
           <a:p>
             <a:fld id="{0A87C1C2-6FA9-4148-BA22-1438AF1C10B0}" type="datetimeFigureOut">
               <a:rPr lang="zh-TW" altLang="en-US" smtClean="0"/>
-              <a:t>2024/10/28</a:t>
+              <a:t>2024/11/2</a:t>
             </a:fld>
             <a:endParaRPr lang="zh-TW" altLang="en-US"/>
           </a:p>
@@ -2375,7 +2380,7 @@
           <a:p>
             <a:fld id="{0A87C1C2-6FA9-4148-BA22-1438AF1C10B0}" type="datetimeFigureOut">
               <a:rPr lang="zh-TW" altLang="en-US" smtClean="0"/>
-              <a:t>2024/10/28</a:t>
+              <a:t>2024/11/2</a:t>
             </a:fld>
             <a:endParaRPr lang="zh-TW" altLang="en-US"/>
           </a:p>
@@ -2663,7 +2668,7 @@
           <a:p>
             <a:fld id="{0A87C1C2-6FA9-4148-BA22-1438AF1C10B0}" type="datetimeFigureOut">
               <a:rPr lang="zh-TW" altLang="en-US" smtClean="0"/>
-              <a:t>2024/10/28</a:t>
+              <a:t>2024/11/2</a:t>
             </a:fld>
             <a:endParaRPr lang="zh-TW" altLang="en-US"/>
           </a:p>
@@ -2910,7 +2915,7 @@
           <a:p>
             <a:fld id="{0A87C1C2-6FA9-4148-BA22-1438AF1C10B0}" type="datetimeFigureOut">
               <a:rPr lang="zh-TW" altLang="en-US" smtClean="0"/>
-              <a:t>2024/10/28</a:t>
+              <a:t>2024/11/2</a:t>
             </a:fld>
             <a:endParaRPr lang="zh-TW" altLang="en-US"/>
           </a:p>
@@ -4582,7 +4587,7 @@
         <p:spPr>
           <a:xfrm>
             <a:off x="2463047" y="1798025"/>
-            <a:ext cx="3040084" cy="646331"/>
+            <a:ext cx="3040084" cy="1754326"/>
           </a:xfrm>
           <a:prstGeom prst="rect">
             <a:avLst/>
@@ -4622,7 +4627,23 @@
                   </a:outerShdw>
                 </a:effectLst>
               </a:rPr>
-              <a:t>Evaluate Risk …</a:t>
+              <a:t>Evaluate Risks in dynamic </a:t>
+            </a:r>
+            <a:r>
+              <a:rPr lang="en-US" altLang="zh-TW" sz="3600" dirty="0" err="1">
+                <a:ln w="0"/>
+                <a:solidFill>
+                  <a:schemeClr val="accent1"/>
+                </a:solidFill>
+                <a:effectLst>
+                  <a:outerShdw blurRad="38100" dist="25400" dir="5400000" algn="ctr" rotWithShape="0">
+                    <a:srgbClr val="6E747A">
+                      <a:alpha val="43000"/>
+                    </a:srgbClr>
+                  </a:outerShdw>
+                </a:effectLst>
+              </a:rPr>
+              <a:t>Environmests</a:t>
             </a:r>
             <a:endParaRPr lang="zh-TW" altLang="en-US" sz="3600" dirty="0">
               <a:ln w="0"/>
